--- a/2017_09_19_R_UserGroup_Panama/rPanama - 2017-09-19.pptx
+++ b/2017_09_19_R_UserGroup_Panama/rPanama - 2017-09-19.pptx
@@ -9,15 +9,16 @@
     <p:sldId id="258" r:id="rId3"/>
     <p:sldId id="276" r:id="rId4"/>
     <p:sldId id="275" r:id="rId5"/>
-    <p:sldId id="270" r:id="rId6"/>
-    <p:sldId id="261" r:id="rId7"/>
-    <p:sldId id="280" r:id="rId8"/>
-    <p:sldId id="277" r:id="rId9"/>
-    <p:sldId id="281" r:id="rId10"/>
-    <p:sldId id="278" r:id="rId11"/>
-    <p:sldId id="282" r:id="rId12"/>
-    <p:sldId id="279" r:id="rId13"/>
-    <p:sldId id="283" r:id="rId14"/>
+    <p:sldId id="284" r:id="rId6"/>
+    <p:sldId id="270" r:id="rId7"/>
+    <p:sldId id="261" r:id="rId8"/>
+    <p:sldId id="280" r:id="rId9"/>
+    <p:sldId id="277" r:id="rId10"/>
+    <p:sldId id="281" r:id="rId11"/>
+    <p:sldId id="278" r:id="rId12"/>
+    <p:sldId id="282" r:id="rId13"/>
+    <p:sldId id="279" r:id="rId14"/>
+    <p:sldId id="283" r:id="rId15"/>
   </p:sldIdLst>
   <p:sldSz cx="12192000" cy="6858000"/>
   <p:notesSz cx="6858000" cy="9144000"/>
@@ -118,7 +119,7 @@
   </p:defaultTextStyle>
   <p:extLst>
     <p:ext uri="{EFAFB233-063F-42B5-8137-9DF3F51BA10A}">
-      <p15:sldGuideLst xmlns="" xmlns:p15="http://schemas.microsoft.com/office/powerpoint/2012/main">
+      <p15:sldGuideLst xmlns:p15="http://schemas.microsoft.com/office/powerpoint/2012/main">
         <p15:guide id="1" orient="horz" pos="2160">
           <p15:clr>
             <a:srgbClr val="A4A3A4"/>
@@ -133,6 +134,18 @@
     </p:ext>
   </p:extLst>
 </p:presentation>
+</file>
+
+<file path=ppt/commentAuthors.xml><?xml version="1.0" encoding="utf-8"?>
+<p:cmAuthorLst xmlns:a="http://schemas.openxmlformats.org/drawingml/2006/main" xmlns:r="http://schemas.openxmlformats.org/officeDocument/2006/relationships" xmlns:p="http://schemas.openxmlformats.org/presentationml/2006/main">
+  <p:cmAuthor id="1" name="Matt Dancho" initials="MD" lastIdx="2" clrIdx="0">
+    <p:extLst>
+      <p:ext uri="{19B8F6BF-5375-455C-9EA6-DF929625EA0E}">
+        <p15:presenceInfo xmlns:p15="http://schemas.microsoft.com/office/powerpoint/2012/main" userId="b6a3bfe8d16ea30d" providerId="Windows Live"/>
+      </p:ext>
+    </p:extLst>
+  </p:cmAuthor>
+</p:cmAuthorLst>
 </file>
 
 <file path=ppt/revisionInfo.xml><?xml version="1.0" encoding="utf-8"?>
@@ -6676,18 +6689,9 @@
           <a:lstStyle/>
           <a:p>
             <a:r>
-              <a:rPr lang="en-US" sz="4800" dirty="0" smtClean="0"/>
-              <a:t>New Tools &amp; R Packages for Tidy </a:t>
-            </a:r>
-            <a:r>
               <a:rPr lang="en-US" sz="4800" dirty="0"/>
-              <a:t>T</a:t>
-            </a:r>
-            <a:r>
-              <a:rPr lang="en-US" sz="4800" dirty="0" smtClean="0"/>
-              <a:t>ime Series Analysis</a:t>
-            </a:r>
-            <a:endParaRPr lang="en-US" sz="4800" dirty="0"/>
+              <a:t>New Tools &amp; R Packages for Tidy Time Series Analysis</a:t>
+            </a:r>
           </a:p>
         </p:txBody>
       </p:sp>
@@ -6714,19 +6718,136 @@
           <a:lstStyle/>
           <a:p>
             <a:r>
-              <a:rPr lang="en-US" sz="2800" dirty="0" smtClean="0"/>
+              <a:rPr lang="en-US" sz="2800" dirty="0"/>
               <a:t>R Panama, 2017-09-19</a:t>
             </a:r>
+          </a:p>
+          <a:p>
             <a:endParaRPr lang="en-US" sz="2800" dirty="0"/>
           </a:p>
-          <a:p>
-            <a:endParaRPr lang="en-US" sz="2800" dirty="0"/>
-          </a:p>
-        </p:txBody>
-      </p:sp>
+        </p:txBody>
+      </p:sp>
+      <p:graphicFrame>
+        <p:nvGraphicFramePr>
+          <p:cNvPr id="7" name="Table 6"/>
+          <p:cNvGraphicFramePr>
+            <a:graphicFrameLocks noGrp="1"/>
+          </p:cNvGraphicFramePr>
+          <p:nvPr>
+            <p:extLst>
+              <p:ext uri="{D42A27DB-BD31-4B8C-83A1-F6EECF244321}">
+                <p14:modId xmlns:p14="http://schemas.microsoft.com/office/powerpoint/2010/main" val="527700693"/>
+              </p:ext>
+            </p:extLst>
+          </p:nvPr>
+        </p:nvGraphicFramePr>
+        <p:xfrm>
+          <a:off x="627416" y="4064979"/>
+          <a:ext cx="10492618" cy="1202981"/>
+        </p:xfrm>
+        <a:graphic>
+          <a:graphicData uri="http://schemas.openxmlformats.org/drawingml/2006/table">
+            <a:tbl>
+              <a:tblPr firstRow="1" bandRow="1">
+                <a:tableStyleId>{2D5ABB26-0587-4C30-8999-92F81FD0307C}</a:tableStyleId>
+              </a:tblPr>
+              <a:tblGrid>
+                <a:gridCol w="5246309">
+                  <a:extLst>
+                    <a:ext uri="{9D8B030D-6E8A-4147-A177-3AD203B41FA5}">
+                      <a16:colId xmlns:a16="http://schemas.microsoft.com/office/drawing/2014/main" val="3062141011"/>
+                    </a:ext>
+                  </a:extLst>
+                </a:gridCol>
+                <a:gridCol w="5246309">
+                  <a:extLst>
+                    <a:ext uri="{9D8B030D-6E8A-4147-A177-3AD203B41FA5}">
+                      <a16:colId xmlns:a16="http://schemas.microsoft.com/office/drawing/2014/main" val="302720575"/>
+                    </a:ext>
+                  </a:extLst>
+                </a:gridCol>
+              </a:tblGrid>
+              <a:tr h="1202981">
+                <a:tc>
+                  <a:txBody>
+                    <a:bodyPr/>
+                    <a:lstStyle/>
+                    <a:p>
+                      <a:r>
+                        <a:rPr lang="en-US" sz="2000" i="1" dirty="0"/>
+                        <a:t>Matt Dancho</a:t>
+                      </a:r>
+                    </a:p>
+                    <a:p>
+                      <a:r>
+                        <a:rPr lang="en-US" sz="1800" dirty="0"/>
+                        <a:t>Founder, Director of Product Development</a:t>
+                      </a:r>
+                    </a:p>
+                    <a:p>
+                      <a:r>
+                        <a:rPr lang="en-US" sz="1800" dirty="0"/>
+                        <a:t>mdancho@business-science.io</a:t>
+                      </a:r>
+                    </a:p>
+                  </a:txBody>
+                  <a:tcPr/>
+                </a:tc>
+                <a:tc>
+                  <a:txBody>
+                    <a:bodyPr/>
+                    <a:lstStyle/>
+                    <a:p>
+                      <a:r>
+                        <a:rPr lang="en-US" sz="1800" dirty="0"/>
+                        <a:t>www.business-science.io</a:t>
+                      </a:r>
+                    </a:p>
+                    <a:p>
+                      <a:r>
+                        <a:rPr lang="en-US" sz="1800" dirty="0"/>
+                        <a:t>@</a:t>
+                      </a:r>
+                      <a:r>
+                        <a:rPr lang="en-US" sz="1800" dirty="0" err="1"/>
+                        <a:t>bizScienc</a:t>
+                      </a:r>
+                      <a:endParaRPr lang="en-US" sz="1800" dirty="0"/>
+                    </a:p>
+                    <a:p>
+                      <a:r>
+                        <a:rPr lang="en-US" sz="1800" dirty="0"/>
+                        <a:t>LinkedIn &amp; Facebook </a:t>
+                      </a:r>
+                    </a:p>
+                    <a:p>
+                      <a:r>
+                        <a:rPr lang="en-US" sz="1800" dirty="0"/>
+                        <a:t>github.com/business-science</a:t>
+                      </a:r>
+                    </a:p>
+                  </a:txBody>
+                  <a:tcPr/>
+                </a:tc>
+                <a:extLst>
+                  <a:ext uri="{0D108BD9-81ED-4DB2-BD59-A6C34878D82A}">
+                    <a16:rowId xmlns:a16="http://schemas.microsoft.com/office/drawing/2014/main" val="1454182414"/>
+                  </a:ext>
+                </a:extLst>
+              </a:tr>
+            </a:tbl>
+          </a:graphicData>
+        </a:graphic>
+      </p:graphicFrame>
       <p:pic>
         <p:nvPicPr>
-          <p:cNvPr id="5" name="Picture 4"/>
+          <p:cNvPr id="8" name="Picture 7">
+            <a:extLst>
+              <a:ext uri="{FF2B5EF4-FFF2-40B4-BE49-F238E27FC236}">
+                <a16:creationId xmlns:a16="http://schemas.microsoft.com/office/drawing/2014/main" id="{41882966-12B2-403B-BE1C-1137139E5638}"/>
+              </a:ext>
+            </a:extLst>
+          </p:cNvPr>
           <p:cNvPicPr>
             <a:picLocks noChangeAspect="1"/>
           </p:cNvPicPr>
@@ -6740,100 +6861,14 @@
         </p:blipFill>
         <p:spPr>
           <a:xfrm>
-            <a:off x="3385038" y="5505547"/>
-            <a:ext cx="5421923" cy="1157459"/>
+            <a:off x="3107184" y="5428600"/>
+            <a:ext cx="5968420" cy="1322253"/>
           </a:xfrm>
           <a:prstGeom prst="rect">
             <a:avLst/>
           </a:prstGeom>
         </p:spPr>
       </p:pic>
-      <p:graphicFrame>
-        <p:nvGraphicFramePr>
-          <p:cNvPr id="7" name="Table 6"/>
-          <p:cNvGraphicFramePr>
-            <a:graphicFrameLocks noGrp="1"/>
-          </p:cNvGraphicFramePr>
-          <p:nvPr>
-            <p:extLst>
-              <p:ext uri="{D42A27DB-BD31-4B8C-83A1-F6EECF244321}">
-                <p14:modId xmlns:p14="http://schemas.microsoft.com/office/powerpoint/2010/main" val="2286361201"/>
-              </p:ext>
-            </p:extLst>
-          </p:nvPr>
-        </p:nvGraphicFramePr>
-        <p:xfrm>
-          <a:off x="627416" y="4201160"/>
-          <a:ext cx="10492618" cy="853440"/>
-        </p:xfrm>
-        <a:graphic>
-          <a:graphicData uri="http://schemas.openxmlformats.org/drawingml/2006/table">
-            <a:tbl>
-              <a:tblPr firstRow="1" bandRow="1">
-                <a:tableStyleId>{2D5ABB26-0587-4C30-8999-92F81FD0307C}</a:tableStyleId>
-              </a:tblPr>
-              <a:tblGrid>
-                <a:gridCol w="5246309">
-                  <a:extLst>
-                    <a:ext uri="{9D8B030D-6E8A-4147-A177-3AD203B41FA5}">
-                      <a16:colId xmlns:a16="http://schemas.microsoft.com/office/drawing/2014/main" xmlns="" val="3062141011"/>
-                    </a:ext>
-                  </a:extLst>
-                </a:gridCol>
-                <a:gridCol w="5246309">
-                  <a:extLst>
-                    <a:ext uri="{9D8B030D-6E8A-4147-A177-3AD203B41FA5}">
-                      <a16:colId xmlns:a16="http://schemas.microsoft.com/office/drawing/2014/main" xmlns="" val="302720575"/>
-                    </a:ext>
-                  </a:extLst>
-                </a:gridCol>
-              </a:tblGrid>
-              <a:tr h="370840">
-                <a:tc>
-                  <a:txBody>
-                    <a:bodyPr/>
-                    <a:lstStyle/>
-                    <a:p>
-                      <a:r>
-                        <a:rPr lang="en-US" i="1" dirty="0"/>
-                        <a:t>Matt Dancho</a:t>
-                      </a:r>
-                    </a:p>
-                    <a:p>
-                      <a:r>
-                        <a:rPr lang="en-US" sz="1600" dirty="0"/>
-                        <a:t>Founder, Director of Product Development</a:t>
-                      </a:r>
-                    </a:p>
-                    <a:p>
-                      <a:r>
-                        <a:rPr lang="en-US" sz="1600" dirty="0"/>
-                        <a:t>mdancho@business-science.io</a:t>
-                      </a:r>
-                    </a:p>
-                  </a:txBody>
-                  <a:tcPr/>
-                </a:tc>
-                <a:tc>
-                  <a:txBody>
-                    <a:bodyPr/>
-                    <a:lstStyle/>
-                    <a:p>
-                      <a:endParaRPr lang="en-US" sz="1600" dirty="0"/>
-                    </a:p>
-                  </a:txBody>
-                  <a:tcPr/>
-                </a:tc>
-                <a:extLst>
-                  <a:ext uri="{0D108BD9-81ED-4DB2-BD59-A6C34878D82A}">
-                    <a16:rowId xmlns:a16="http://schemas.microsoft.com/office/drawing/2014/main" xmlns="" val="1454182414"/>
-                  </a:ext>
-                </a:extLst>
-              </a:tr>
-            </a:tbl>
-          </a:graphicData>
-        </a:graphic>
-      </p:graphicFrame>
     </p:spTree>
     <p:extLst>
       <p:ext uri="{BB962C8B-B14F-4D97-AF65-F5344CB8AC3E}">
@@ -6844,13 +6879,6 @@
   <p:clrMapOvr>
     <a:masterClrMapping/>
   </p:clrMapOvr>
-  <p:timing>
-    <p:tnLst>
-      <p:par>
-        <p:cTn id="1" dur="indefinite" restart="never" nodeType="tmRoot"/>
-      </p:par>
-    </p:tnLst>
-  </p:timing>
 </p:sld>
 </file>
 
@@ -6892,22 +6920,9 @@
           <a:lstStyle/>
           <a:p>
             <a:r>
-              <a:rPr lang="en-US" dirty="0" smtClean="0"/>
-              <a:t>sweep: Broom-Style </a:t>
-            </a:r>
-            <a:r>
-              <a:rPr lang="en-US" dirty="0" err="1" smtClean="0"/>
-              <a:t>Tidiers</a:t>
-            </a:r>
-            <a:r>
-              <a:rPr lang="en-US" dirty="0" smtClean="0"/>
-              <a:t> for forecast </a:t>
-            </a:r>
-            <a:r>
-              <a:rPr lang="en-US" dirty="0" err="1" smtClean="0"/>
-              <a:t>pkg</a:t>
-            </a:r>
-            <a:endParaRPr lang="en-US" dirty="0"/>
+              <a:rPr lang="en-US" dirty="0"/>
+              <a:t>timetk: Toolkit for Time Series Analysis</a:t>
+            </a:r>
           </a:p>
         </p:txBody>
       </p:sp>
@@ -6933,97 +6948,200 @@
           </a:bodyPr>
           <a:lstStyle/>
           <a:p>
+            <a:r>
+              <a:rPr lang="en-US" sz="2600" dirty="0"/>
+              <a:t>DEMO</a:t>
+            </a:r>
+            <a:endParaRPr lang="en-US" sz="1800" dirty="0"/>
+          </a:p>
+        </p:txBody>
+      </p:sp>
+      <p:pic>
+        <p:nvPicPr>
+          <p:cNvPr id="5" name="Picture 2" descr="C:\Users\mdancho\Google Drive\Business Science\Logos\timetk-logo\timetk-logo-med-quality.png"/>
+          <p:cNvPicPr>
+            <a:picLocks noChangeAspect="1" noChangeArrowheads="1"/>
+          </p:cNvPicPr>
+          <p:nvPr/>
+        </p:nvPicPr>
+        <p:blipFill>
+          <a:blip r:embed="rId2">
+            <a:extLst>
+              <a:ext uri="{28A0092B-C50C-407E-A947-70E740481C1C}">
+                <a14:useLocalDpi xmlns:a14="http://schemas.microsoft.com/office/drawing/2010/main" val="0"/>
+              </a:ext>
+            </a:extLst>
+          </a:blip>
+          <a:srcRect/>
+          <a:stretch>
+            <a:fillRect/>
+          </a:stretch>
+        </p:blipFill>
+        <p:spPr bwMode="auto">
+          <a:xfrm>
+            <a:off x="9574949" y="1477909"/>
+            <a:ext cx="1983427" cy="2286000"/>
+          </a:xfrm>
+          <a:prstGeom prst="rect">
+            <a:avLst/>
+          </a:prstGeom>
+          <a:noFill/>
+          <a:extLst>
+            <a:ext uri="{909E8E84-426E-40DD-AFC4-6F175D3DCCD1}">
+              <a14:hiddenFill xmlns:a14="http://schemas.microsoft.com/office/drawing/2010/main">
+                <a:solidFill>
+                  <a:srgbClr val="FFFFFF"/>
+                </a:solidFill>
+              </a14:hiddenFill>
+            </a:ext>
+          </a:extLst>
+        </p:spPr>
+      </p:pic>
+    </p:spTree>
+    <p:extLst>
+      <p:ext uri="{BB962C8B-B14F-4D97-AF65-F5344CB8AC3E}">
+        <p14:creationId xmlns:p14="http://schemas.microsoft.com/office/powerpoint/2010/main" val="1017553220"/>
+      </p:ext>
+    </p:extLst>
+  </p:cSld>
+  <p:clrMapOvr>
+    <a:masterClrMapping/>
+  </p:clrMapOvr>
+</p:sld>
+</file>
+
+<file path=ppt/slides/slide11.xml><?xml version="1.0" encoding="utf-8"?>
+<p:sld xmlns:a="http://schemas.openxmlformats.org/drawingml/2006/main" xmlns:r="http://schemas.openxmlformats.org/officeDocument/2006/relationships" xmlns:p="http://schemas.openxmlformats.org/presentationml/2006/main">
+  <p:cSld>
+    <p:spTree>
+      <p:nvGrpSpPr>
+        <p:cNvPr id="1" name=""/>
+        <p:cNvGrpSpPr/>
+        <p:nvPr/>
+      </p:nvGrpSpPr>
+      <p:grpSpPr>
+        <a:xfrm>
+          <a:off x="0" y="0"/>
+          <a:ext cx="0" cy="0"/>
+          <a:chOff x="0" y="0"/>
+          <a:chExt cx="0" cy="0"/>
+        </a:xfrm>
+      </p:grpSpPr>
+      <p:sp>
+        <p:nvSpPr>
+          <p:cNvPr id="2" name="Title 1"/>
+          <p:cNvSpPr>
+            <a:spLocks noGrp="1"/>
+          </p:cNvSpPr>
+          <p:nvPr>
+            <p:ph type="title"/>
+          </p:nvPr>
+        </p:nvSpPr>
+        <p:spPr>
+          <a:xfrm>
+            <a:off x="646111" y="452718"/>
+            <a:ext cx="11465814" cy="1400530"/>
+          </a:xfrm>
+        </p:spPr>
+        <p:txBody>
+          <a:bodyPr/>
+          <a:lstStyle/>
+          <a:p>
+            <a:r>
+              <a:rPr lang="en-US" dirty="0"/>
+              <a:t>sweep: Broom-Style </a:t>
+            </a:r>
+            <a:r>
+              <a:rPr lang="en-US" dirty="0" err="1"/>
+              <a:t>Tidiers</a:t>
+            </a:r>
+            <a:r>
+              <a:rPr lang="en-US" dirty="0"/>
+              <a:t> for forecast </a:t>
+            </a:r>
+            <a:r>
+              <a:rPr lang="en-US" dirty="0" err="1"/>
+              <a:t>pkg</a:t>
+            </a:r>
+            <a:endParaRPr lang="en-US" dirty="0"/>
+          </a:p>
+        </p:txBody>
+      </p:sp>
+      <p:sp>
+        <p:nvSpPr>
+          <p:cNvPr id="7" name="Content Placeholder 2"/>
+          <p:cNvSpPr>
+            <a:spLocks noGrp="1"/>
+          </p:cNvSpPr>
+          <p:nvPr>
+            <p:ph idx="1"/>
+          </p:nvPr>
+        </p:nvSpPr>
+        <p:spPr>
+          <a:xfrm>
+            <a:off x="1103312" y="1485900"/>
+            <a:ext cx="10288588" cy="4762499"/>
+          </a:xfrm>
+        </p:spPr>
+        <p:txBody>
+          <a:bodyPr>
+            <a:normAutofit/>
+          </a:bodyPr>
+          <a:lstStyle/>
+          <a:p>
             <a:pPr marL="342900" lvl="1" indent="-342900"/>
             <a:r>
               <a:rPr lang="en-US" sz="2600" dirty="0"/>
-              <a:t>Tidying the </a:t>
-            </a:r>
-            <a:r>
-              <a:rPr lang="en-US" sz="2600" dirty="0" smtClean="0"/>
-              <a:t>{forecast} </a:t>
-            </a:r>
+              <a:t>Tidying the {forecast} package workflow. </a:t>
+            </a:r>
+          </a:p>
+          <a:p>
+            <a:pPr marL="342900" lvl="1" indent="-342900"/>
+            <a:endParaRPr lang="en-US" sz="2600" dirty="0"/>
+          </a:p>
+          <a:p>
+            <a:pPr marL="342900" lvl="1" indent="-342900"/>
             <a:r>
               <a:rPr lang="en-US" sz="2600" dirty="0"/>
-              <a:t>package workflow. </a:t>
-            </a:r>
-          </a:p>
-          <a:p>
-            <a:pPr marL="342900" lvl="1" indent="-342900"/>
-            <a:endParaRPr lang="en-US" sz="2600" dirty="0" smtClean="0"/>
-          </a:p>
-          <a:p>
-            <a:pPr marL="342900" lvl="1" indent="-342900"/>
-            <a:r>
-              <a:rPr lang="en-US" sz="2600" dirty="0" smtClean="0"/>
-              <a:t>{broom} </a:t>
-            </a:r>
-            <a:r>
-              <a:rPr lang="en-US" sz="2600" dirty="0"/>
-              <a:t>is to </a:t>
-            </a:r>
-            <a:r>
-              <a:rPr lang="en-US" sz="2600" dirty="0" smtClean="0"/>
-              <a:t>{stats} </a:t>
-            </a:r>
-            <a:r>
-              <a:rPr lang="en-US" sz="2600" dirty="0"/>
-              <a:t>as </a:t>
-            </a:r>
-            <a:r>
-              <a:rPr lang="en-US" sz="2600" dirty="0" smtClean="0"/>
-              <a:t>{sweep} </a:t>
-            </a:r>
-            <a:r>
-              <a:rPr lang="en-US" sz="2600" dirty="0"/>
-              <a:t>is to </a:t>
-            </a:r>
-            <a:r>
-              <a:rPr lang="en-US" sz="2600" dirty="0" smtClean="0"/>
-              <a:t>{forecast}</a:t>
-            </a:r>
+              <a:t>{broom} is to {stats} as {sweep} is to {forecast}</a:t>
+            </a:r>
+          </a:p>
+          <a:p>
+            <a:pPr lvl="1"/>
+            <a:r>
+              <a:rPr lang="en-US" sz="2000" dirty="0"/>
+              <a:t>Forecast package works with {</a:t>
+            </a:r>
+            <a:r>
+              <a:rPr lang="en-US" sz="2000" dirty="0" err="1"/>
+              <a:t>ts</a:t>
+            </a:r>
+            <a:r>
+              <a:rPr lang="en-US" sz="2000" dirty="0"/>
+              <a:t>}</a:t>
+            </a:r>
+          </a:p>
+          <a:p>
+            <a:pPr lvl="1"/>
+            <a:r>
+              <a:rPr lang="en-US" sz="2000" dirty="0" err="1"/>
+              <a:t>Tidyverse</a:t>
+            </a:r>
+            <a:r>
+              <a:rPr lang="en-US" sz="2000" dirty="0"/>
+              <a:t> works with {</a:t>
+            </a:r>
+            <a:r>
+              <a:rPr lang="en-US" sz="2000" dirty="0" err="1"/>
+              <a:t>tbl</a:t>
+            </a:r>
+            <a:r>
+              <a:rPr lang="en-US" sz="2000" dirty="0"/>
+              <a:t>}</a:t>
+            </a:r>
+          </a:p>
+          <a:p>
             <a:endParaRPr lang="en-US" sz="2600" dirty="0"/>
-          </a:p>
-          <a:p>
-            <a:pPr lvl="1"/>
-            <a:r>
-              <a:rPr lang="en-US" sz="1800" dirty="0"/>
-              <a:t>Forecast package works with </a:t>
-            </a:r>
-            <a:r>
-              <a:rPr lang="en-US" sz="1800" dirty="0" smtClean="0"/>
-              <a:t>{</a:t>
-            </a:r>
-            <a:r>
-              <a:rPr lang="en-US" sz="1800" dirty="0" err="1" smtClean="0"/>
-              <a:t>ts</a:t>
-            </a:r>
-            <a:r>
-              <a:rPr lang="en-US" sz="1800" dirty="0" smtClean="0"/>
-              <a:t>}</a:t>
-            </a:r>
-          </a:p>
-          <a:p>
-            <a:pPr lvl="1"/>
-            <a:r>
-              <a:rPr lang="en-US" sz="1800" dirty="0" err="1" smtClean="0"/>
-              <a:t>Tidyverse</a:t>
-            </a:r>
-            <a:r>
-              <a:rPr lang="en-US" sz="1800" dirty="0" smtClean="0"/>
-              <a:t> works with {</a:t>
-            </a:r>
-            <a:r>
-              <a:rPr lang="en-US" sz="1800" dirty="0" err="1" smtClean="0"/>
-              <a:t>tbl</a:t>
-            </a:r>
-            <a:r>
-              <a:rPr lang="en-US" sz="1800" dirty="0" smtClean="0"/>
-              <a:t>}</a:t>
-            </a:r>
-            <a:endParaRPr lang="en-US" sz="1800" dirty="0" smtClean="0"/>
-          </a:p>
-          <a:p>
-            <a:endParaRPr lang="en-US" sz="2600" dirty="0" smtClean="0"/>
           </a:p>
         </p:txBody>
       </p:sp>
@@ -7078,17 +7196,10 @@
   <p:clrMapOvr>
     <a:masterClrMapping/>
   </p:clrMapOvr>
-  <p:timing>
-    <p:tnLst>
-      <p:par>
-        <p:cTn id="1" dur="indefinite" restart="never" nodeType="tmRoot"/>
-      </p:par>
-    </p:tnLst>
-  </p:timing>
 </p:sld>
 </file>
 
-<file path=ppt/slides/slide11.xml><?xml version="1.0" encoding="utf-8"?>
+<file path=ppt/slides/slide12.xml><?xml version="1.0" encoding="utf-8"?>
 <p:sld xmlns:a="http://schemas.openxmlformats.org/drawingml/2006/main" xmlns:r="http://schemas.openxmlformats.org/officeDocument/2006/relationships" xmlns:p="http://schemas.openxmlformats.org/presentationml/2006/main">
   <p:cSld>
     <p:spTree>
@@ -7126,19 +7237,19 @@
           <a:lstStyle/>
           <a:p>
             <a:r>
-              <a:rPr lang="en-US" dirty="0" smtClean="0"/>
+              <a:rPr lang="en-US" dirty="0"/>
               <a:t>sweep: Broom-Style </a:t>
             </a:r>
             <a:r>
-              <a:rPr lang="en-US" dirty="0" err="1" smtClean="0"/>
+              <a:rPr lang="en-US" dirty="0" err="1"/>
               <a:t>Tidiers</a:t>
             </a:r>
             <a:r>
-              <a:rPr lang="en-US" dirty="0" smtClean="0"/>
+              <a:rPr lang="en-US" dirty="0"/>
               <a:t> for forecast </a:t>
             </a:r>
             <a:r>
-              <a:rPr lang="en-US" dirty="0" err="1" smtClean="0"/>
+              <a:rPr lang="en-US" dirty="0" err="1"/>
               <a:t>pkg</a:t>
             </a:r>
             <a:endParaRPr lang="en-US" dirty="0"/>
@@ -7169,7 +7280,7 @@
           <a:p>
             <a:pPr marL="342900" lvl="1" indent="-342900"/>
             <a:r>
-              <a:rPr lang="en-US" sz="2600" dirty="0" smtClean="0"/>
+              <a:rPr lang="en-US" sz="2600" dirty="0"/>
               <a:t>DEMO</a:t>
             </a:r>
             <a:endParaRPr lang="en-US" sz="1800" dirty="0"/>
@@ -7227,17 +7338,10 @@
   <p:clrMapOvr>
     <a:masterClrMapping/>
   </p:clrMapOvr>
-  <p:timing>
-    <p:tnLst>
-      <p:par>
-        <p:cTn id="1" dur="indefinite" restart="never" nodeType="tmRoot"/>
-      </p:par>
-    </p:tnLst>
-  </p:timing>
 </p:sld>
 </file>
 
-<file path=ppt/slides/slide12.xml><?xml version="1.0" encoding="utf-8"?>
+<file path=ppt/slides/slide13.xml><?xml version="1.0" encoding="utf-8"?>
 <p:sld xmlns:a="http://schemas.openxmlformats.org/drawingml/2006/main" xmlns:r="http://schemas.openxmlformats.org/officeDocument/2006/relationships" xmlns:p="http://schemas.openxmlformats.org/presentationml/2006/main">
   <p:cSld>
     <p:spTree>
@@ -7275,23 +7379,19 @@
           <a:lstStyle/>
           <a:p>
             <a:r>
-              <a:rPr lang="en-US" dirty="0" smtClean="0"/>
+              <a:rPr lang="en-US" dirty="0"/>
               <a:t>{</a:t>
             </a:r>
             <a:r>
-              <a:rPr lang="en-US" dirty="0" err="1" smtClean="0"/>
+              <a:rPr lang="en-US" dirty="0" err="1"/>
               <a:t>tibbletime</a:t>
             </a:r>
             <a:r>
-              <a:rPr lang="en-US" dirty="0" smtClean="0"/>
-              <a:t>}: </a:t>
-            </a:r>
-            <a:r>
-              <a:rPr lang="en-US" dirty="0" smtClean="0"/>
-              <a:t>time-aware </a:t>
-            </a:r>
-            <a:r>
-              <a:rPr lang="en-US" dirty="0" err="1" smtClean="0"/>
+              <a:rPr lang="en-US" dirty="0"/>
+              <a:t>}: time-aware </a:t>
+            </a:r>
+            <a:r>
+              <a:rPr lang="en-US" dirty="0" err="1"/>
               <a:t>tibbles</a:t>
             </a:r>
             <a:endParaRPr lang="en-US" dirty="0"/>
@@ -7322,113 +7422,108 @@
           <a:p>
             <a:pPr marL="342900" lvl="1" indent="-342900"/>
             <a:r>
-              <a:rPr lang="en-US" dirty="0" smtClean="0"/>
+              <a:rPr lang="en-US" dirty="0"/>
               <a:t>This is the future of tidy time series analysis</a:t>
             </a:r>
           </a:p>
           <a:p>
             <a:pPr marL="342900" lvl="1" indent="-342900"/>
-            <a:endParaRPr lang="en-US" sz="1000" dirty="0" smtClean="0"/>
+            <a:endParaRPr lang="en-US" sz="1000" dirty="0"/>
           </a:p>
           <a:p>
             <a:pPr marL="342900" lvl="1" indent="-342900"/>
             <a:r>
-              <a:rPr lang="en-US" dirty="0" smtClean="0"/>
+              <a:rPr lang="en-US" dirty="0"/>
               <a:t>Sits on top of {</a:t>
             </a:r>
             <a:r>
-              <a:rPr lang="en-US" dirty="0" err="1" smtClean="0"/>
+              <a:rPr lang="en-US" dirty="0" err="1"/>
               <a:t>tbl</a:t>
             </a:r>
             <a:r>
-              <a:rPr lang="en-US" dirty="0" smtClean="0"/>
+              <a:rPr lang="en-US" dirty="0"/>
               <a:t>} as new class {</a:t>
             </a:r>
             <a:r>
-              <a:rPr lang="en-US" dirty="0" err="1" smtClean="0"/>
+              <a:rPr lang="en-US" dirty="0" err="1"/>
               <a:t>tbl_time</a:t>
             </a:r>
             <a:r>
-              <a:rPr lang="en-US" dirty="0" smtClean="0"/>
+              <a:rPr lang="en-US" dirty="0"/>
               <a:t>}</a:t>
             </a:r>
-            <a:endParaRPr lang="en-US" dirty="0" smtClean="0"/>
-          </a:p>
-          <a:p>
-            <a:endParaRPr lang="en-US" sz="1000" dirty="0" smtClean="0"/>
-          </a:p>
-          <a:p>
-            <a:r>
-              <a:rPr lang="en-US" sz="2800" dirty="0" smtClean="0"/>
+          </a:p>
+          <a:p>
+            <a:endParaRPr lang="en-US" sz="1000" dirty="0"/>
+          </a:p>
+          <a:p>
+            <a:r>
+              <a:rPr lang="en-US" sz="2800" dirty="0"/>
               <a:t>Special time-based functions </a:t>
             </a:r>
           </a:p>
           <a:p>
             <a:pPr lvl="1"/>
             <a:r>
-              <a:rPr lang="en-US" sz="1800" dirty="0" err="1" smtClean="0"/>
+              <a:rPr lang="en-US" sz="2000" dirty="0" err="1"/>
               <a:t>time_filter</a:t>
             </a:r>
             <a:r>
-              <a:rPr lang="en-US" sz="1800" dirty="0" smtClean="0"/>
+              <a:rPr lang="en-US" sz="2000" dirty="0"/>
               <a:t>()</a:t>
             </a:r>
           </a:p>
           <a:p>
             <a:pPr lvl="1"/>
             <a:r>
-              <a:rPr lang="en-US" sz="1800" dirty="0" err="1" smtClean="0"/>
+              <a:rPr lang="en-US" sz="2000" dirty="0" err="1"/>
               <a:t>time_summarize</a:t>
             </a:r>
             <a:r>
-              <a:rPr lang="en-US" sz="1800" dirty="0" smtClean="0"/>
+              <a:rPr lang="en-US" sz="2000" dirty="0"/>
               <a:t>()</a:t>
             </a:r>
           </a:p>
           <a:p>
             <a:pPr lvl="1"/>
             <a:r>
-              <a:rPr lang="en-US" sz="1800" dirty="0" err="1"/>
-              <a:t>a</a:t>
-            </a:r>
-            <a:r>
-              <a:rPr lang="en-US" sz="1800" dirty="0" err="1" smtClean="0"/>
-              <a:t>s_period</a:t>
-            </a:r>
-            <a:r>
-              <a:rPr lang="en-US" sz="1800" dirty="0" smtClean="0"/>
+              <a:rPr lang="en-US" sz="2000" dirty="0" err="1"/>
+              <a:t>as_period</a:t>
+            </a:r>
+            <a:r>
+              <a:rPr lang="en-US" sz="2000" dirty="0"/>
               <a:t>()</a:t>
             </a:r>
           </a:p>
           <a:p>
             <a:pPr lvl="1"/>
             <a:r>
-              <a:rPr lang="en-US" sz="1800" dirty="0" err="1" smtClean="0"/>
+              <a:rPr lang="en-US" sz="2000" dirty="0" err="1"/>
               <a:t>time_collapse</a:t>
             </a:r>
             <a:r>
-              <a:rPr lang="en-US" sz="1800" dirty="0" smtClean="0"/>
+              <a:rPr lang="en-US" sz="2000" dirty="0"/>
               <a:t>()</a:t>
             </a:r>
           </a:p>
           <a:p>
             <a:pPr lvl="1"/>
             <a:r>
-              <a:rPr lang="en-US" sz="1800" dirty="0" err="1" smtClean="0"/>
+              <a:rPr lang="en-US" sz="2000" dirty="0" err="1"/>
               <a:t>tmap</a:t>
             </a:r>
             <a:r>
-              <a:rPr lang="en-US" sz="1800" dirty="0" smtClean="0"/>
+              <a:rPr lang="en-US" sz="2000" dirty="0"/>
               <a:t>()</a:t>
             </a:r>
           </a:p>
           <a:p>
             <a:pPr lvl="1"/>
             <a:r>
-              <a:rPr lang="en-US" sz="1800" dirty="0" smtClean="0"/>
+              <a:rPr lang="en-US" sz="2000" dirty="0"/>
               <a:t>More coming soon!!!</a:t>
             </a:r>
-            <a:endParaRPr lang="en-US" sz="1800" dirty="0" smtClean="0"/>
+            <a:endParaRPr lang="en-US" sz="1800" dirty="0"/>
           </a:p>
         </p:txBody>
       </p:sp>
@@ -7517,10 +7612,10 @@
             <a:p>
               <a:pPr algn="ctr"/>
               <a:r>
-                <a:rPr lang="en-US" sz="2000" dirty="0" err="1" smtClean="0"/>
+                <a:rPr lang="en-US" sz="2000" dirty="0" err="1"/>
                 <a:t>tibbletime</a:t>
               </a:r>
-              <a:endParaRPr lang="en-US" sz="2000" dirty="0" smtClean="0"/>
+              <a:endParaRPr lang="en-US" sz="2000" dirty="0"/>
             </a:p>
             <a:p>
               <a:endParaRPr lang="en-US" dirty="0"/>
@@ -7528,10 +7623,9 @@
             <a:p>
               <a:pPr algn="ctr"/>
               <a:r>
-                <a:rPr lang="en-US" sz="1400" dirty="0" smtClean="0"/>
+                <a:rPr lang="en-US" sz="1400" dirty="0"/>
                 <a:t>logo coming soon</a:t>
               </a:r>
-              <a:endParaRPr lang="en-US" sz="1400" dirty="0"/>
             </a:p>
           </p:txBody>
         </p:sp>
@@ -7546,17 +7640,10 @@
   <p:clrMapOvr>
     <a:masterClrMapping/>
   </p:clrMapOvr>
-  <p:timing>
-    <p:tnLst>
-      <p:par>
-        <p:cTn id="1" dur="indefinite" restart="never" nodeType="tmRoot"/>
-      </p:par>
-    </p:tnLst>
-  </p:timing>
 </p:sld>
 </file>
 
-<file path=ppt/slides/slide13.xml><?xml version="1.0" encoding="utf-8"?>
+<file path=ppt/slides/slide14.xml><?xml version="1.0" encoding="utf-8"?>
 <p:sld xmlns:a="http://schemas.openxmlformats.org/drawingml/2006/main" xmlns:r="http://schemas.openxmlformats.org/officeDocument/2006/relationships" xmlns:p="http://schemas.openxmlformats.org/presentationml/2006/main">
   <p:cSld>
     <p:spTree>
@@ -7594,15 +7681,15 @@
           <a:lstStyle/>
           <a:p>
             <a:r>
-              <a:rPr lang="en-US" dirty="0" err="1" smtClean="0"/>
+              <a:rPr lang="en-US" dirty="0" err="1"/>
               <a:t>tibbletime</a:t>
             </a:r>
             <a:r>
-              <a:rPr lang="en-US" dirty="0" smtClean="0"/>
+              <a:rPr lang="en-US" dirty="0"/>
               <a:t>: time-aware </a:t>
             </a:r>
             <a:r>
-              <a:rPr lang="en-US" dirty="0" err="1" smtClean="0"/>
+              <a:rPr lang="en-US" dirty="0" err="1"/>
               <a:t>tibbles</a:t>
             </a:r>
             <a:endParaRPr lang="en-US" dirty="0"/>
@@ -7633,10 +7720,10 @@
           <a:p>
             <a:pPr marL="342900" lvl="1" indent="-342900"/>
             <a:r>
-              <a:rPr lang="en-US" sz="2600" dirty="0" smtClean="0"/>
+              <a:rPr lang="en-US" sz="2600" dirty="0"/>
               <a:t>DEMO</a:t>
             </a:r>
-            <a:endParaRPr lang="en-US" sz="1800" dirty="0" smtClean="0"/>
+            <a:endParaRPr lang="en-US" sz="1800" dirty="0"/>
           </a:p>
         </p:txBody>
       </p:sp>
@@ -7725,10 +7812,10 @@
             <a:p>
               <a:pPr algn="ctr"/>
               <a:r>
-                <a:rPr lang="en-US" sz="2000" dirty="0" err="1" smtClean="0"/>
+                <a:rPr lang="en-US" sz="2000" dirty="0" err="1"/>
                 <a:t>tibbletime</a:t>
               </a:r>
-              <a:endParaRPr lang="en-US" sz="2000" dirty="0" smtClean="0"/>
+              <a:endParaRPr lang="en-US" sz="2000" dirty="0"/>
             </a:p>
             <a:p>
               <a:endParaRPr lang="en-US" dirty="0"/>
@@ -7736,10 +7823,9 @@
             <a:p>
               <a:pPr algn="ctr"/>
               <a:r>
-                <a:rPr lang="en-US" sz="1400" dirty="0" smtClean="0"/>
+                <a:rPr lang="en-US" sz="1400" dirty="0"/>
                 <a:t>logo coming soon</a:t>
               </a:r>
-              <a:endParaRPr lang="en-US" sz="1400" dirty="0"/>
             </a:p>
           </p:txBody>
         </p:sp>
@@ -7754,13 +7840,6 @@
   <p:clrMapOvr>
     <a:masterClrMapping/>
   </p:clrMapOvr>
-  <p:timing>
-    <p:tnLst>
-      <p:par>
-        <p:cTn id="1" dur="indefinite" restart="never" nodeType="tmRoot"/>
-      </p:par>
-    </p:tnLst>
-  </p:timing>
 </p:sld>
 </file>
 
@@ -7797,11 +7876,11 @@
           <a:lstStyle/>
           <a:p>
             <a:r>
-              <a:rPr lang="en-US" dirty="0" smtClean="0"/>
+              <a:rPr lang="en-US" dirty="0"/>
               <a:t>About </a:t>
             </a:r>
             <a:r>
-              <a:rPr lang="en-US" dirty="0" err="1" smtClean="0"/>
+              <a:rPr lang="en-US" dirty="0" err="1"/>
               <a:t>BizSci</a:t>
             </a:r>
             <a:endParaRPr lang="en-US" dirty="0"/>
@@ -7857,8 +7936,8 @@
         </p:blipFill>
         <p:spPr bwMode="auto">
           <a:xfrm>
-            <a:off x="3432787" y="1853772"/>
-            <a:ext cx="5131423" cy="3245170"/>
+            <a:off x="2734323" y="1444876"/>
+            <a:ext cx="6389181" cy="4040590"/>
           </a:xfrm>
           <a:prstGeom prst="rect">
             <a:avLst/>
@@ -7898,13 +7977,6 @@
   <p:clrMapOvr>
     <a:masterClrMapping/>
   </p:clrMapOvr>
-  <p:timing>
-    <p:tnLst>
-      <p:par>
-        <p:cTn id="1" dur="indefinite" restart="never" nodeType="tmRoot"/>
-      </p:par>
-    </p:tnLst>
-  </p:timing>
 </p:sld>
 </file>
 
@@ -7941,11 +8013,11 @@
           <a:lstStyle/>
           <a:p>
             <a:r>
-              <a:rPr lang="en-US" dirty="0" smtClean="0"/>
+              <a:rPr lang="en-US" dirty="0"/>
               <a:t>About </a:t>
             </a:r>
             <a:r>
-              <a:rPr lang="en-US" dirty="0" err="1" smtClean="0"/>
+              <a:rPr lang="en-US" dirty="0" err="1"/>
               <a:t>BizSci</a:t>
             </a:r>
             <a:endParaRPr lang="en-US" dirty="0"/>
@@ -8001,7 +8073,7 @@
         </p:blipFill>
         <p:spPr bwMode="auto">
           <a:xfrm>
-            <a:off x="2309813" y="1524000"/>
+            <a:off x="2132260" y="1568389"/>
             <a:ext cx="7572375" cy="3810000"/>
           </a:xfrm>
           <a:prstGeom prst="rect">
@@ -8042,13 +8114,6 @@
   <p:clrMapOvr>
     <a:masterClrMapping/>
   </p:clrMapOvr>
-  <p:timing>
-    <p:tnLst>
-      <p:par>
-        <p:cTn id="1" dur="indefinite" restart="never" nodeType="tmRoot"/>
-      </p:par>
-    </p:tnLst>
-  </p:timing>
 </p:sld>
 </file>
 
@@ -8085,11 +8150,11 @@
           <a:lstStyle/>
           <a:p>
             <a:r>
-              <a:rPr lang="en-US" dirty="0" smtClean="0"/>
+              <a:rPr lang="en-US" dirty="0"/>
               <a:t>About </a:t>
             </a:r>
             <a:r>
-              <a:rPr lang="en-US" dirty="0" err="1" smtClean="0"/>
+              <a:rPr lang="en-US" dirty="0" err="1"/>
               <a:t>BizSci</a:t>
             </a:r>
             <a:endParaRPr lang="en-US" dirty="0"/>
@@ -8145,8 +8210,8 @@
         </p:blipFill>
         <p:spPr bwMode="auto">
           <a:xfrm>
-            <a:off x="1607102" y="1952787"/>
-            <a:ext cx="8592591" cy="3006670"/>
+            <a:off x="993955" y="1748600"/>
+            <a:ext cx="10377591" cy="3631267"/>
           </a:xfrm>
           <a:prstGeom prst="rect">
             <a:avLst/>
@@ -8186,13 +8251,6 @@
   <p:clrMapOvr>
     <a:masterClrMapping/>
   </p:clrMapOvr>
-  <p:timing>
-    <p:tnLst>
-      <p:par>
-        <p:cTn id="1" dur="indefinite" restart="never" nodeType="tmRoot"/>
-      </p:par>
-    </p:tnLst>
-  </p:timing>
 </p:sld>
 </file>
 
@@ -8215,6 +8273,211 @@
       </p:grpSpPr>
       <p:sp>
         <p:nvSpPr>
+          <p:cNvPr id="7" name="Title 6"/>
+          <p:cNvSpPr>
+            <a:spLocks noGrp="1"/>
+          </p:cNvSpPr>
+          <p:nvPr>
+            <p:ph type="title"/>
+          </p:nvPr>
+        </p:nvSpPr>
+        <p:spPr/>
+        <p:txBody>
+          <a:bodyPr/>
+          <a:lstStyle/>
+          <a:p>
+            <a:r>
+              <a:rPr lang="en-US" dirty="0"/>
+              <a:t>Before we begin demos…</a:t>
+            </a:r>
+          </a:p>
+        </p:txBody>
+      </p:sp>
+      <p:sp>
+        <p:nvSpPr>
+          <p:cNvPr id="2" name="TextBox 1"/>
+          <p:cNvSpPr txBox="1"/>
+          <p:nvPr/>
+        </p:nvSpPr>
+        <p:spPr>
+          <a:xfrm>
+            <a:off x="11697629" y="6345044"/>
+            <a:ext cx="184731" cy="369332"/>
+          </a:xfrm>
+          <a:prstGeom prst="rect">
+            <a:avLst/>
+          </a:prstGeom>
+          <a:noFill/>
+        </p:spPr>
+        <p:txBody>
+          <a:bodyPr wrap="none" rtlCol="0">
+            <a:spAutoFit/>
+          </a:bodyPr>
+          <a:lstStyle/>
+          <a:p>
+            <a:endParaRPr lang="en-US" dirty="0"/>
+          </a:p>
+        </p:txBody>
+      </p:sp>
+      <p:sp>
+        <p:nvSpPr>
+          <p:cNvPr id="6" name="Content Placeholder 2">
+            <a:extLst>
+              <a:ext uri="{FF2B5EF4-FFF2-40B4-BE49-F238E27FC236}">
+                <a16:creationId xmlns:a16="http://schemas.microsoft.com/office/drawing/2014/main" id="{915CD607-9F76-4AE4-A946-9768BA091DDF}"/>
+              </a:ext>
+            </a:extLst>
+          </p:cNvPr>
+          <p:cNvSpPr>
+            <a:spLocks noGrp="1"/>
+          </p:cNvSpPr>
+          <p:nvPr>
+            <p:ph idx="1"/>
+          </p:nvPr>
+        </p:nvSpPr>
+        <p:spPr>
+          <a:xfrm>
+            <a:off x="918581" y="1748901"/>
+            <a:ext cx="10779048" cy="4965475"/>
+          </a:xfrm>
+        </p:spPr>
+        <p:txBody>
+          <a:bodyPr>
+            <a:noAutofit/>
+          </a:bodyPr>
+          <a:lstStyle/>
+          <a:p>
+            <a:pPr marL="0" indent="0" algn="ctr">
+              <a:buNone/>
+            </a:pPr>
+            <a:r>
+              <a:rPr lang="en-US" sz="4000" b="1" dirty="0"/>
+              <a:t>All Presentation Materials Here</a:t>
+            </a:r>
+          </a:p>
+          <a:p>
+            <a:pPr marL="0" indent="0" algn="ctr">
+              <a:buNone/>
+            </a:pPr>
+            <a:endParaRPr lang="en-US" sz="4000" dirty="0"/>
+          </a:p>
+          <a:p>
+            <a:pPr marL="285750" indent="-285750">
+              <a:buFont typeface="Wingdings" panose="05000000000000000000" pitchFamily="2" charset="2"/>
+              <a:buChar char="Ø"/>
+            </a:pPr>
+            <a:r>
+              <a:rPr lang="en-US" sz="4000" dirty="0"/>
+              <a:t>github.com/business-science</a:t>
+            </a:r>
+          </a:p>
+          <a:p>
+            <a:pPr lvl="2">
+              <a:buFont typeface="Wingdings" panose="05000000000000000000" pitchFamily="2" charset="2"/>
+              <a:buChar char="Ø"/>
+            </a:pPr>
+            <a:r>
+              <a:rPr lang="en-US" sz="4000" dirty="0"/>
+              <a:t>/presentations/</a:t>
+            </a:r>
+          </a:p>
+          <a:p>
+            <a:pPr lvl="3">
+              <a:buFont typeface="Wingdings" panose="05000000000000000000" pitchFamily="2" charset="2"/>
+              <a:buChar char="Ø"/>
+            </a:pPr>
+            <a:r>
+              <a:rPr lang="en-US" sz="4000" dirty="0"/>
+              <a:t>2017_09_19_R_UserGroup_Panama</a:t>
+            </a:r>
+          </a:p>
+        </p:txBody>
+      </p:sp>
+      <p:sp>
+        <p:nvSpPr>
+          <p:cNvPr id="4" name="Arrow: Down 3">
+            <a:extLst>
+              <a:ext uri="{FF2B5EF4-FFF2-40B4-BE49-F238E27FC236}">
+                <a16:creationId xmlns:a16="http://schemas.microsoft.com/office/drawing/2014/main" id="{5E437203-27EE-4BDE-8A02-3F72A3CA04AC}"/>
+              </a:ext>
+            </a:extLst>
+          </p:cNvPr>
+          <p:cNvSpPr/>
+          <p:nvPr/>
+        </p:nvSpPr>
+        <p:spPr>
+          <a:xfrm>
+            <a:off x="5557421" y="2414727"/>
+            <a:ext cx="852257" cy="832360"/>
+          </a:xfrm>
+          <a:prstGeom prst="downArrow">
+            <a:avLst/>
+          </a:prstGeom>
+          <a:scene3d>
+            <a:camera prst="orthographicFront"/>
+            <a:lightRig rig="threePt" dir="t"/>
+          </a:scene3d>
+          <a:sp3d>
+            <a:bevelT/>
+          </a:sp3d>
+        </p:spPr>
+        <p:style>
+          <a:lnRef idx="2">
+            <a:schemeClr val="accent5">
+              <a:shade val="50000"/>
+            </a:schemeClr>
+          </a:lnRef>
+          <a:fillRef idx="1">
+            <a:schemeClr val="accent5"/>
+          </a:fillRef>
+          <a:effectRef idx="0">
+            <a:schemeClr val="accent5"/>
+          </a:effectRef>
+          <a:fontRef idx="minor">
+            <a:schemeClr val="lt1"/>
+          </a:fontRef>
+        </p:style>
+        <p:txBody>
+          <a:bodyPr rtlCol="0" anchor="ctr"/>
+          <a:lstStyle/>
+          <a:p>
+            <a:pPr algn="ctr"/>
+            <a:endParaRPr lang="en-US"/>
+          </a:p>
+        </p:txBody>
+      </p:sp>
+    </p:spTree>
+    <p:extLst>
+      <p:ext uri="{BB962C8B-B14F-4D97-AF65-F5344CB8AC3E}">
+        <p14:creationId xmlns:p14="http://schemas.microsoft.com/office/powerpoint/2010/main" val="278076653"/>
+      </p:ext>
+    </p:extLst>
+  </p:cSld>
+  <p:clrMapOvr>
+    <a:masterClrMapping/>
+  </p:clrMapOvr>
+</p:sld>
+</file>
+
+<file path=ppt/slides/slide6.xml><?xml version="1.0" encoding="utf-8"?>
+<p:sld xmlns:a="http://schemas.openxmlformats.org/drawingml/2006/main" xmlns:r="http://schemas.openxmlformats.org/officeDocument/2006/relationships" xmlns:p="http://schemas.openxmlformats.org/presentationml/2006/main">
+  <p:cSld>
+    <p:spTree>
+      <p:nvGrpSpPr>
+        <p:cNvPr id="1" name=""/>
+        <p:cNvGrpSpPr/>
+        <p:nvPr/>
+      </p:nvGrpSpPr>
+      <p:grpSpPr>
+        <a:xfrm>
+          <a:off x="0" y="0"/>
+          <a:ext cx="0" cy="0"/>
+          <a:chOff x="0" y="0"/>
+          <a:chExt cx="0" cy="0"/>
+        </a:xfrm>
+      </p:grpSpPr>
+      <p:sp>
+        <p:nvSpPr>
           <p:cNvPr id="6" name="Rectangle 5"/>
           <p:cNvSpPr/>
           <p:nvPr/>
@@ -8267,11 +8530,11 @@
           <a:lstStyle/>
           <a:p>
             <a:r>
-              <a:rPr lang="en-US" dirty="0" smtClean="0"/>
+              <a:rPr lang="en-US" dirty="0"/>
               <a:t>About </a:t>
             </a:r>
             <a:r>
-              <a:rPr lang="en-US" dirty="0" err="1" smtClean="0"/>
+              <a:rPr lang="en-US" dirty="0" err="1"/>
               <a:t>BizSci</a:t>
             </a:r>
             <a:endParaRPr lang="en-US" dirty="0"/>
@@ -8486,10 +8749,10 @@
             <a:p>
               <a:pPr algn="ctr"/>
               <a:r>
-                <a:rPr lang="en-US" sz="2000" dirty="0" err="1" smtClean="0"/>
+                <a:rPr lang="en-US" sz="2000" dirty="0" err="1"/>
                 <a:t>tibbletime</a:t>
               </a:r>
-              <a:endParaRPr lang="en-US" sz="2000" dirty="0" smtClean="0"/>
+              <a:endParaRPr lang="en-US" sz="2000" dirty="0"/>
             </a:p>
             <a:p>
               <a:endParaRPr lang="en-US" dirty="0"/>
@@ -8497,10 +8760,9 @@
             <a:p>
               <a:pPr algn="ctr"/>
               <a:r>
-                <a:rPr lang="en-US" sz="1400" dirty="0" smtClean="0"/>
+                <a:rPr lang="en-US" sz="1400" dirty="0"/>
                 <a:t>logo coming soon</a:t>
               </a:r>
-              <a:endParaRPr lang="en-US" sz="1400" dirty="0"/>
             </a:p>
           </p:txBody>
         </p:sp>
@@ -8529,7 +8791,7 @@
           <a:p>
             <a:pPr algn="ctr"/>
             <a:r>
-              <a:rPr lang="en-US" sz="2000" b="1" dirty="0" smtClean="0">
+              <a:rPr lang="en-US" sz="2000" b="1" dirty="0">
                 <a:solidFill>
                   <a:srgbClr val="2C3E50"/>
                 </a:solidFill>
@@ -8539,14 +8801,6 @@
               </a:rPr>
               <a:t>OUR R PACKAGES</a:t>
             </a:r>
-            <a:endParaRPr lang="en-US" sz="2000" b="1" dirty="0">
-              <a:solidFill>
-                <a:srgbClr val="2C3E50"/>
-              </a:solidFill>
-              <a:latin typeface="Aharoni" panose="02010803020104030203" pitchFamily="2" charset="-79"/>
-              <a:ea typeface="Adobe Gothic Std B" pitchFamily="34" charset="-128"/>
-              <a:cs typeface="Aharoni" panose="02010803020104030203" pitchFamily="2" charset="-79"/>
-            </a:endParaRPr>
           </a:p>
         </p:txBody>
       </p:sp>
@@ -8560,17 +8814,10 @@
   <p:clrMapOvr>
     <a:masterClrMapping/>
   </p:clrMapOvr>
-  <p:timing>
-    <p:tnLst>
-      <p:par>
-        <p:cTn id="1" dur="indefinite" restart="never" nodeType="tmRoot"/>
-      </p:par>
-    </p:tnLst>
-  </p:timing>
 </p:sld>
 </file>
 
-<file path=ppt/slides/slide6.xml><?xml version="1.0" encoding="utf-8"?>
+<file path=ppt/slides/slide7.xml><?xml version="1.0" encoding="utf-8"?>
 <p:sld xmlns:a="http://schemas.openxmlformats.org/drawingml/2006/main" xmlns:r="http://schemas.openxmlformats.org/officeDocument/2006/relationships" xmlns:p="http://schemas.openxmlformats.org/presentationml/2006/main">
   <p:cSld>
     <p:spTree>
@@ -8608,14 +8855,9 @@
           <a:lstStyle/>
           <a:p>
             <a:r>
-              <a:rPr lang="en-US" dirty="0" smtClean="0"/>
-              <a:t>{tidyquant}: </a:t>
-            </a:r>
-            <a:r>
-              <a:rPr lang="en-US" dirty="0" smtClean="0"/>
-              <a:t>Financial &amp; Time Series Analysis</a:t>
-            </a:r>
-            <a:endParaRPr lang="en-US" dirty="0"/>
+              <a:rPr lang="en-US" dirty="0"/>
+              <a:t>{tidyquant}: Financial &amp; Time Series Analysis</a:t>
+            </a:r>
           </a:p>
         </p:txBody>
       </p:sp>
@@ -8643,97 +8885,66 @@
           <a:p>
             <a:r>
               <a:rPr lang="en-US" sz="2000" dirty="0"/>
-              <a:t>Getting data </a:t>
-            </a:r>
-            <a:r>
-              <a:rPr lang="en-US" sz="2000" dirty="0" smtClean="0"/>
-              <a:t>from web</a:t>
+              <a:t>Getting data from web</a:t>
             </a:r>
           </a:p>
           <a:p>
             <a:pPr lvl="1"/>
             <a:r>
-              <a:rPr lang="en-US" sz="1400" dirty="0"/>
+              <a:rPr lang="en-US" sz="1800" dirty="0"/>
               <a:t>Yahoo! Finance, FRED Database, </a:t>
             </a:r>
             <a:r>
-              <a:rPr lang="en-US" sz="1400" dirty="0" err="1"/>
+              <a:rPr lang="en-US" sz="1800" dirty="0" err="1"/>
               <a:t>Quandl</a:t>
             </a:r>
             <a:r>
-              <a:rPr lang="en-US" sz="1400" dirty="0"/>
+              <a:rPr lang="en-US" sz="1800" dirty="0"/>
               <a:t> and more</a:t>
             </a:r>
-            <a:endParaRPr lang="en-US" sz="1400" dirty="0" smtClean="0"/>
-          </a:p>
-          <a:p>
-            <a:endParaRPr lang="en-US" sz="1000" dirty="0" smtClean="0"/>
-          </a:p>
-          <a:p>
-            <a:r>
-              <a:rPr lang="en-US" sz="2000" dirty="0" smtClean="0"/>
-              <a:t>Tidy </a:t>
-            </a:r>
+          </a:p>
+          <a:p>
+            <a:endParaRPr lang="en-US" sz="1000" dirty="0"/>
+          </a:p>
+          <a:p>
             <a:r>
               <a:rPr lang="en-US" sz="2000" dirty="0"/>
-              <a:t>application of </a:t>
-            </a:r>
-            <a:r>
-              <a:rPr lang="en-US" sz="2000" dirty="0" smtClean="0"/>
-              <a:t>financial </a:t>
-            </a:r>
-            <a:r>
-              <a:rPr lang="en-US" sz="2000" dirty="0"/>
-              <a:t>and time series functions </a:t>
-            </a:r>
-            <a:endParaRPr lang="en-US" sz="2000" dirty="0" smtClean="0"/>
+              <a:t>Tidy application of financial and time series functions </a:t>
+            </a:r>
           </a:p>
           <a:p>
             <a:pPr lvl="1"/>
             <a:r>
-              <a:rPr lang="en-US" sz="1400" dirty="0" smtClean="0"/>
+              <a:rPr lang="en-US" sz="1800" dirty="0"/>
               <a:t>{</a:t>
             </a:r>
             <a:r>
-              <a:rPr lang="en-US" sz="1400" dirty="0" err="1" smtClean="0"/>
+              <a:rPr lang="en-US" sz="1800" dirty="0" err="1"/>
               <a:t>xts</a:t>
             </a:r>
             <a:r>
-              <a:rPr lang="en-US" sz="1400" dirty="0" smtClean="0"/>
+              <a:rPr lang="en-US" sz="1800" dirty="0"/>
               <a:t>}, {zoo}, {</a:t>
             </a:r>
             <a:r>
-              <a:rPr lang="en-US" sz="1400" dirty="0" err="1" smtClean="0"/>
+              <a:rPr lang="en-US" sz="1800" dirty="0" err="1"/>
               <a:t>quantmod</a:t>
             </a:r>
             <a:r>
-              <a:rPr lang="en-US" sz="1400" dirty="0"/>
+              <a:rPr lang="en-US" sz="1800" dirty="0"/>
+              <a:t>}, {TTR} and {</a:t>
+            </a:r>
+            <a:r>
+              <a:rPr lang="en-US" sz="1800" dirty="0" err="1"/>
+              <a:t>PerformanceAnalytics</a:t>
+            </a:r>
+            <a:r>
+              <a:rPr lang="en-US" sz="1800" dirty="0"/>
               <a:t>}</a:t>
             </a:r>
-            <a:r>
-              <a:rPr lang="en-US" sz="1400" dirty="0" smtClean="0"/>
-              <a:t>, {TTR} </a:t>
-            </a:r>
-            <a:r>
-              <a:rPr lang="en-US" sz="1400" dirty="0"/>
-              <a:t>and </a:t>
-            </a:r>
-            <a:r>
-              <a:rPr lang="en-US" sz="1400" dirty="0" smtClean="0"/>
-              <a:t>{</a:t>
-            </a:r>
-            <a:r>
-              <a:rPr lang="en-US" sz="1400" dirty="0" err="1" smtClean="0"/>
-              <a:t>PerformanceAnalytics</a:t>
-            </a:r>
-            <a:r>
-              <a:rPr lang="en-US" sz="1400" dirty="0" smtClean="0"/>
-              <a:t>}</a:t>
-            </a:r>
-            <a:endParaRPr lang="en-US" sz="1400" dirty="0" smtClean="0"/>
-          </a:p>
-          <a:p>
-            <a:endParaRPr lang="en-US" sz="1000" dirty="0" smtClean="0"/>
+          </a:p>
+          <a:p>
+            <a:endParaRPr lang="en-US" sz="1000" dirty="0"/>
           </a:p>
           <a:p>
             <a:r>
@@ -8741,20 +8952,12 @@
               <a:t>Graphing - Beautiful </a:t>
             </a:r>
             <a:r>
-              <a:rPr lang="en-US" sz="2000" dirty="0" err="1" smtClean="0"/>
+              <a:rPr lang="en-US" sz="2000" dirty="0" err="1"/>
               <a:t>ggplot</a:t>
             </a:r>
             <a:r>
-              <a:rPr lang="en-US" sz="2000" dirty="0" smtClean="0"/>
-              <a:t> themes </a:t>
-            </a:r>
-            <a:r>
               <a:rPr lang="en-US" sz="2000" dirty="0"/>
-              <a:t>and </a:t>
-            </a:r>
-            <a:r>
-              <a:rPr lang="en-US" sz="2000" dirty="0" smtClean="0"/>
-              <a:t>financial </a:t>
+              <a:t> themes and financial </a:t>
             </a:r>
             <a:r>
               <a:rPr lang="en-US" sz="2000" dirty="0" err="1"/>
@@ -8764,40 +8967,30 @@
               <a:rPr lang="en-US" sz="2000" dirty="0"/>
               <a:t> </a:t>
             </a:r>
-            <a:endParaRPr lang="en-US" sz="2000" dirty="0" smtClean="0"/>
-          </a:p>
-          <a:p>
-            <a:endParaRPr lang="en-US" sz="1000" dirty="0" smtClean="0"/>
-          </a:p>
-          <a:p>
-            <a:r>
-              <a:rPr lang="en-US" sz="2000" dirty="0" smtClean="0"/>
+          </a:p>
+          <a:p>
+            <a:endParaRPr lang="en-US" sz="1000" dirty="0"/>
+          </a:p>
+          <a:p>
+            <a:r>
+              <a:rPr lang="en-US" sz="2000" dirty="0"/>
               <a:t>Working with portfolios</a:t>
             </a:r>
           </a:p>
           <a:p>
-            <a:endParaRPr lang="en-US" sz="1000" dirty="0" smtClean="0"/>
-          </a:p>
-          <a:p>
-            <a:r>
-              <a:rPr lang="en-US" sz="2000" dirty="0" smtClean="0"/>
-              <a:t>Financial </a:t>
-            </a:r>
+            <a:endParaRPr lang="en-US" sz="1000" dirty="0"/>
+          </a:p>
+          <a:p>
             <a:r>
               <a:rPr lang="en-US" sz="2000" dirty="0"/>
-              <a:t>performance analysis and portfolio attribution </a:t>
-            </a:r>
-            <a:r>
-              <a:rPr lang="en-US" sz="2000" dirty="0" smtClean="0"/>
-              <a:t>metrics</a:t>
-            </a:r>
-          </a:p>
-          <a:p>
-            <a:r>
-              <a:rPr lang="en-US" sz="2000" dirty="0" smtClean="0"/>
+              <a:t>Financial performance analysis and portfolio attribution metrics</a:t>
+            </a:r>
+          </a:p>
+          <a:p>
+            <a:r>
+              <a:rPr lang="en-US" sz="2000" dirty="0"/>
               <a:t>Base package for any analysis</a:t>
             </a:r>
-            <a:endParaRPr lang="en-US" sz="2000" dirty="0" smtClean="0"/>
           </a:p>
         </p:txBody>
       </p:sp>
@@ -8852,17 +9045,10 @@
   <p:clrMapOvr>
     <a:masterClrMapping/>
   </p:clrMapOvr>
-  <p:timing>
-    <p:tnLst>
-      <p:par>
-        <p:cTn id="1" dur="indefinite" restart="never" nodeType="tmRoot"/>
-      </p:par>
-    </p:tnLst>
-  </p:timing>
 </p:sld>
 </file>
 
-<file path=ppt/slides/slide7.xml><?xml version="1.0" encoding="utf-8"?>
+<file path=ppt/slides/slide8.xml><?xml version="1.0" encoding="utf-8"?>
 <p:sld xmlns:a="http://schemas.openxmlformats.org/drawingml/2006/main" xmlns:r="http://schemas.openxmlformats.org/officeDocument/2006/relationships" xmlns:p="http://schemas.openxmlformats.org/presentationml/2006/main">
   <p:cSld>
     <p:spTree>
@@ -8900,14 +9086,9 @@
           <a:lstStyle/>
           <a:p>
             <a:r>
-              <a:rPr lang="en-US" dirty="0" smtClean="0"/>
-              <a:t>{tidyquant}: </a:t>
-            </a:r>
-            <a:r>
-              <a:rPr lang="en-US" dirty="0" smtClean="0"/>
-              <a:t>Financial &amp; Time Series Analysis</a:t>
-            </a:r>
-            <a:endParaRPr lang="en-US" dirty="0"/>
+              <a:rPr lang="en-US" dirty="0"/>
+              <a:t>{tidyquant}: Financial &amp; Time Series Analysis</a:t>
+            </a:r>
           </a:p>
         </p:txBody>
       </p:sp>
@@ -8934,7 +9115,7 @@
           <a:lstStyle/>
           <a:p>
             <a:r>
-              <a:rPr lang="en-US" sz="2800" dirty="0" smtClean="0"/>
+              <a:rPr lang="en-US" sz="2800" dirty="0"/>
               <a:t>DEMO</a:t>
             </a:r>
             <a:endParaRPr lang="en-US" sz="2000" dirty="0"/>
@@ -8992,17 +9173,10 @@
   <p:clrMapOvr>
     <a:masterClrMapping/>
   </p:clrMapOvr>
-  <p:timing>
-    <p:tnLst>
-      <p:par>
-        <p:cTn id="1" dur="indefinite" restart="never" nodeType="tmRoot"/>
-      </p:par>
-    </p:tnLst>
-  </p:timing>
 </p:sld>
 </file>
 
-<file path=ppt/slides/slide8.xml><?xml version="1.0" encoding="utf-8"?>
+<file path=ppt/slides/slide9.xml><?xml version="1.0" encoding="utf-8"?>
 <p:sld xmlns:a="http://schemas.openxmlformats.org/drawingml/2006/main" xmlns:r="http://schemas.openxmlformats.org/officeDocument/2006/relationships" xmlns:p="http://schemas.openxmlformats.org/presentationml/2006/main">
   <p:cSld>
     <p:spTree>
@@ -9040,14 +9214,9 @@
           <a:lstStyle/>
           <a:p>
             <a:r>
-              <a:rPr lang="en-US" dirty="0" smtClean="0"/>
-              <a:t>{timetk}: </a:t>
-            </a:r>
-            <a:r>
-              <a:rPr lang="en-US" dirty="0" smtClean="0"/>
-              <a:t>Toolkit for Time Series Analysis</a:t>
-            </a:r>
-            <a:endParaRPr lang="en-US" dirty="0"/>
+              <a:rPr lang="en-US" dirty="0"/>
+              <a:t>{timetk}: Toolkit for Time Series Analysis</a:t>
+            </a:r>
           </a:p>
         </p:txBody>
       </p:sp>
@@ -9077,57 +9246,50 @@
               <a:rPr lang="en-US" sz="3200" dirty="0"/>
               <a:t>Coercing (converting) between time classes in R </a:t>
             </a:r>
-            <a:endParaRPr lang="en-US" sz="3200" dirty="0" smtClean="0"/>
           </a:p>
           <a:p>
             <a:pPr lvl="1"/>
             <a:r>
-              <a:rPr lang="en-US" sz="2400" dirty="0" smtClean="0"/>
+              <a:rPr lang="en-US" sz="2400" dirty="0"/>
               <a:t>Convert between {</a:t>
             </a:r>
             <a:r>
-              <a:rPr lang="en-US" sz="2400" dirty="0" err="1" smtClean="0"/>
+              <a:rPr lang="en-US" sz="2400" dirty="0" err="1"/>
               <a:t>tbl</a:t>
             </a:r>
             <a:r>
-              <a:rPr lang="en-US" sz="2400" dirty="0" smtClean="0"/>
+              <a:rPr lang="en-US" sz="2400" dirty="0"/>
               <a:t>}, {</a:t>
             </a:r>
             <a:r>
-              <a:rPr lang="en-US" sz="2400" dirty="0" err="1" smtClean="0"/>
+              <a:rPr lang="en-US" sz="2400" dirty="0" err="1"/>
               <a:t>xts</a:t>
             </a:r>
             <a:r>
-              <a:rPr lang="en-US" sz="2400" dirty="0" smtClean="0"/>
+              <a:rPr lang="en-US" sz="2400" dirty="0"/>
               <a:t>}, {zoo}, {</a:t>
             </a:r>
             <a:r>
-              <a:rPr lang="en-US" sz="2400" dirty="0" err="1" smtClean="0"/>
+              <a:rPr lang="en-US" sz="2400" dirty="0" err="1"/>
               <a:t>ts</a:t>
             </a:r>
             <a:r>
-              <a:rPr lang="en-US" sz="2400" dirty="0" smtClean="0"/>
+              <a:rPr lang="en-US" sz="2400" dirty="0"/>
               <a:t>}</a:t>
             </a:r>
-            <a:endParaRPr lang="en-US" sz="2400" dirty="0" smtClean="0"/>
           </a:p>
           <a:p>
             <a:pPr lvl="1"/>
-            <a:endParaRPr lang="en-US" sz="1100" dirty="0" smtClean="0"/>
-          </a:p>
-          <a:p>
-            <a:endParaRPr lang="en-US" sz="3200" dirty="0" smtClean="0"/>
-          </a:p>
-          <a:p>
-            <a:r>
-              <a:rPr lang="en-US" sz="3200" dirty="0" smtClean="0"/>
-              <a:t>Time </a:t>
-            </a:r>
+            <a:endParaRPr lang="en-US" sz="1100" dirty="0"/>
+          </a:p>
+          <a:p>
+            <a:endParaRPr lang="en-US" sz="3200" dirty="0"/>
+          </a:p>
+          <a:p>
             <a:r>
               <a:rPr lang="en-US" sz="3200" dirty="0"/>
-              <a:t>series machine learning </a:t>
-            </a:r>
-            <a:endParaRPr lang="en-US" sz="3200" dirty="0" smtClean="0"/>
+              <a:t>Time series machine learning </a:t>
+            </a:r>
           </a:p>
         </p:txBody>
       </p:sp>
@@ -9182,149 +9344,6 @@
   <p:clrMapOvr>
     <a:masterClrMapping/>
   </p:clrMapOvr>
-  <p:timing>
-    <p:tnLst>
-      <p:par>
-        <p:cTn id="1" dur="indefinite" restart="never" nodeType="tmRoot"/>
-      </p:par>
-    </p:tnLst>
-  </p:timing>
-</p:sld>
-</file>
-
-<file path=ppt/slides/slide9.xml><?xml version="1.0" encoding="utf-8"?>
-<p:sld xmlns:a="http://schemas.openxmlformats.org/drawingml/2006/main" xmlns:r="http://schemas.openxmlformats.org/officeDocument/2006/relationships" xmlns:p="http://schemas.openxmlformats.org/presentationml/2006/main">
-  <p:cSld>
-    <p:spTree>
-      <p:nvGrpSpPr>
-        <p:cNvPr id="1" name=""/>
-        <p:cNvGrpSpPr/>
-        <p:nvPr/>
-      </p:nvGrpSpPr>
-      <p:grpSpPr>
-        <a:xfrm>
-          <a:off x="0" y="0"/>
-          <a:ext cx="0" cy="0"/>
-          <a:chOff x="0" y="0"/>
-          <a:chExt cx="0" cy="0"/>
-        </a:xfrm>
-      </p:grpSpPr>
-      <p:sp>
-        <p:nvSpPr>
-          <p:cNvPr id="2" name="Title 1"/>
-          <p:cNvSpPr>
-            <a:spLocks noGrp="1"/>
-          </p:cNvSpPr>
-          <p:nvPr>
-            <p:ph type="title"/>
-          </p:nvPr>
-        </p:nvSpPr>
-        <p:spPr>
-          <a:xfrm>
-            <a:off x="646111" y="452718"/>
-            <a:ext cx="11465814" cy="1400530"/>
-          </a:xfrm>
-        </p:spPr>
-        <p:txBody>
-          <a:bodyPr/>
-          <a:lstStyle/>
-          <a:p>
-            <a:r>
-              <a:rPr lang="en-US" dirty="0" smtClean="0"/>
-              <a:t>timetk: Toolkit for Time Series Analysis</a:t>
-            </a:r>
-            <a:endParaRPr lang="en-US" dirty="0"/>
-          </a:p>
-        </p:txBody>
-      </p:sp>
-      <p:sp>
-        <p:nvSpPr>
-          <p:cNvPr id="7" name="Content Placeholder 2"/>
-          <p:cNvSpPr>
-            <a:spLocks noGrp="1"/>
-          </p:cNvSpPr>
-          <p:nvPr>
-            <p:ph idx="1"/>
-          </p:nvPr>
-        </p:nvSpPr>
-        <p:spPr>
-          <a:xfrm>
-            <a:off x="1103312" y="1485900"/>
-            <a:ext cx="10288588" cy="4762499"/>
-          </a:xfrm>
-        </p:spPr>
-        <p:txBody>
-          <a:bodyPr>
-            <a:normAutofit/>
-          </a:bodyPr>
-          <a:lstStyle/>
-          <a:p>
-            <a:r>
-              <a:rPr lang="en-US" sz="2600" dirty="0" smtClean="0"/>
-              <a:t>DEMO</a:t>
-            </a:r>
-            <a:endParaRPr lang="en-US" sz="1800" dirty="0"/>
-          </a:p>
-        </p:txBody>
-      </p:sp>
-      <p:pic>
-        <p:nvPicPr>
-          <p:cNvPr id="5" name="Picture 2" descr="C:\Users\mdancho\Google Drive\Business Science\Logos\timetk-logo\timetk-logo-med-quality.png"/>
-          <p:cNvPicPr>
-            <a:picLocks noChangeAspect="1" noChangeArrowheads="1"/>
-          </p:cNvPicPr>
-          <p:nvPr/>
-        </p:nvPicPr>
-        <p:blipFill>
-          <a:blip r:embed="rId2">
-            <a:extLst>
-              <a:ext uri="{28A0092B-C50C-407E-A947-70E740481C1C}">
-                <a14:useLocalDpi xmlns:a14="http://schemas.microsoft.com/office/drawing/2010/main" val="0"/>
-              </a:ext>
-            </a:extLst>
-          </a:blip>
-          <a:srcRect/>
-          <a:stretch>
-            <a:fillRect/>
-          </a:stretch>
-        </p:blipFill>
-        <p:spPr bwMode="auto">
-          <a:xfrm>
-            <a:off x="9574949" y="1477909"/>
-            <a:ext cx="1983427" cy="2286000"/>
-          </a:xfrm>
-          <a:prstGeom prst="rect">
-            <a:avLst/>
-          </a:prstGeom>
-          <a:noFill/>
-          <a:extLst>
-            <a:ext uri="{909E8E84-426E-40DD-AFC4-6F175D3DCCD1}">
-              <a14:hiddenFill xmlns:a14="http://schemas.microsoft.com/office/drawing/2010/main">
-                <a:solidFill>
-                  <a:srgbClr val="FFFFFF"/>
-                </a:solidFill>
-              </a14:hiddenFill>
-            </a:ext>
-          </a:extLst>
-        </p:spPr>
-      </p:pic>
-    </p:spTree>
-    <p:extLst>
-      <p:ext uri="{BB962C8B-B14F-4D97-AF65-F5344CB8AC3E}">
-        <p14:creationId xmlns:p14="http://schemas.microsoft.com/office/powerpoint/2010/main" val="1017553220"/>
-      </p:ext>
-    </p:extLst>
-  </p:cSld>
-  <p:clrMapOvr>
-    <a:masterClrMapping/>
-  </p:clrMapOvr>
-  <p:timing>
-    <p:tnLst>
-      <p:par>
-        <p:cTn id="1" dur="indefinite" restart="never" nodeType="tmRoot"/>
-      </p:par>
-    </p:tnLst>
-  </p:timing>
 </p:sld>
 </file>
 
@@ -9588,7 +9607,7 @@
   <a:extraClrSchemeLst/>
   <a:extLst>
     <a:ext uri="{05A4C25C-085E-4340-85A3-A5531E510DB2}">
-      <thm15:themeFamily xmlns="" xmlns:thm15="http://schemas.microsoft.com/office/thememl/2012/main" name="Ion" id="{B8441ADB-2E43-4AF7-B97A-BD870242C6A8}" vid="{292E63A9-BB86-4E3D-B92A-7223C6510D2E}"/>
+      <thm15:themeFamily xmlns:thm15="http://schemas.microsoft.com/office/thememl/2012/main" name="Ion" id="{B8441ADB-2E43-4AF7-B97A-BD870242C6A8}" vid="{292E63A9-BB86-4E3D-B92A-7223C6510D2E}"/>
     </a:ext>
   </a:extLst>
 </a:theme>
